--- a/slides/ppt/06_Exceptions.pptx
+++ b/slides/ppt/06_Exceptions.pptx
@@ -14672,6 +14672,63 @@
           </a:bodyPr>
           <a:lstStyle/>
           <a:p>
+            <a:r>
+              <a:rPr lang="en-US" sz="1800" dirty="0">
+                <a:solidFill>
+                  <a:srgbClr val="E46C0A"/>
+                </a:solidFill>
+              </a:rPr>
+              <a:t>Checked exceptions</a:t>
+            </a:r>
+          </a:p>
+          <a:p>
+            <a:pPr lvl="1"/>
+            <a:r>
+              <a:rPr lang="en-US" sz="1600" dirty="0"/>
+              <a:t>Exceptions managed with try/catch and checked by the compiler</a:t>
+            </a:r>
+          </a:p>
+          <a:p>
+            <a:pPr lvl="1"/>
+            <a:r>
+              <a:rPr lang="en-US" sz="1600" dirty="0"/>
+              <a:t>Examples: </a:t>
+            </a:r>
+            <a:r>
+              <a:rPr lang="en-US" sz="1600" i="1" dirty="0" err="1"/>
+              <a:t>IOException</a:t>
+            </a:r>
+            <a:r>
+              <a:rPr lang="en-US" sz="1600" i="1" dirty="0"/>
+              <a:t>, </a:t>
+            </a:r>
+            <a:r>
+              <a:rPr lang="en-US" sz="1600" i="1" dirty="0" err="1"/>
+              <a:t>SQLException</a:t>
+            </a:r>
+            <a:r>
+              <a:rPr lang="en-US" sz="1600" i="1" dirty="0"/>
+              <a:t>, </a:t>
+            </a:r>
+            <a:r>
+              <a:rPr lang="en-US" sz="1600" i="1" dirty="0" err="1"/>
+              <a:t>ClassNotFoundException</a:t>
+            </a:r>
+            <a:r>
+              <a:rPr lang="en-US" sz="1600" dirty="0"/>
+              <a:t>, </a:t>
+            </a:r>
+            <a:r>
+              <a:rPr lang="mr-IN" sz="1600" dirty="0"/>
+              <a:t>…</a:t>
+            </a:r>
+            <a:endParaRPr lang="en-US" sz="1800" dirty="0">
+              <a:solidFill>
+                <a:srgbClr val="E46C0A"/>
+              </a:solidFill>
+            </a:endParaRPr>
+          </a:p>
+          <a:p>
             <a:pPr marL="342900" lvl="1" indent="-342900">
               <a:buFont typeface="Arial"/>
               <a:buChar char="•"/>
@@ -14716,59 +14773,6 @@
             <a:r>
               <a:rPr lang="en-US" sz="1600" dirty="0" err="1"/>
               <a:t>ArrayIndexOutOfBound</a:t>
-            </a:r>
-            <a:r>
-              <a:rPr lang="en-US" sz="1600" dirty="0"/>
-              <a:t>, </a:t>
-            </a:r>
-            <a:r>
-              <a:rPr lang="mr-IN" sz="1600" dirty="0"/>
-              <a:t>…</a:t>
-            </a:r>
-            <a:endParaRPr lang="en-US" sz="1600" dirty="0"/>
-          </a:p>
-          <a:p>
-            <a:r>
-              <a:rPr lang="en-US" sz="1800" dirty="0">
-                <a:solidFill>
-                  <a:srgbClr val="E46C0A"/>
-                </a:solidFill>
-              </a:rPr>
-              <a:t>Checked exceptions</a:t>
-            </a:r>
-          </a:p>
-          <a:p>
-            <a:pPr lvl="1"/>
-            <a:r>
-              <a:rPr lang="en-US" sz="1600" dirty="0"/>
-              <a:t>Exceptions managed with try/catch and checked by the compiler</a:t>
-            </a:r>
-          </a:p>
-          <a:p>
-            <a:pPr lvl="1"/>
-            <a:r>
-              <a:rPr lang="en-US" sz="1600" dirty="0"/>
-              <a:t>Examples: </a:t>
-            </a:r>
-            <a:r>
-              <a:rPr lang="en-US" sz="1600" i="1" dirty="0" err="1"/>
-              <a:t>IOException</a:t>
-            </a:r>
-            <a:r>
-              <a:rPr lang="en-US" sz="1600" i="1" dirty="0"/>
-              <a:t>, </a:t>
-            </a:r>
-            <a:r>
-              <a:rPr lang="en-US" sz="1600" i="1" dirty="0" err="1"/>
-              <a:t>SQLException</a:t>
-            </a:r>
-            <a:r>
-              <a:rPr lang="en-US" sz="1600" i="1" dirty="0"/>
-              <a:t>, </a:t>
-            </a:r>
-            <a:r>
-              <a:rPr lang="en-US" sz="1600" i="1" dirty="0" err="1"/>
-              <a:t>ClassNotFoundException</a:t>
             </a:r>
             <a:r>
               <a:rPr lang="en-US" sz="1600" dirty="0"/>
@@ -17159,7 +17163,7 @@
           <a:p>
             <a:r>
               <a:rPr lang="en-US" dirty="0"/>
-              <a:t>Exception can be either generated: </a:t>
+              <a:t>Exceptions can be either generated: </a:t>
             </a:r>
           </a:p>
           <a:p>
@@ -21255,13 +21259,13 @@
         <p:spPr/>
         <p:txBody>
           <a:bodyPr>
-            <a:normAutofit fontScale="90000"/>
+            <a:normAutofit/>
           </a:bodyPr>
           <a:lstStyle/>
           <a:p>
             <a:r>
               <a:rPr lang="en-US" dirty="0"/>
-              <a:t>Partial delegation (standard exception)</a:t>
+              <a:t>Partial delegation (same exception)</a:t>
             </a:r>
           </a:p>
         </p:txBody>
@@ -23430,7 +23434,26 @@
                 <a:latin typeface="Consolas"/>
                 <a:cs typeface="Consolas"/>
               </a:rPr>
-              <a:t>		try {</a:t>
+              <a:t>		</a:t>
+            </a:r>
+            <a:r>
+              <a:rPr lang="en-US" sz="1200" dirty="0">
+                <a:solidFill>
+                  <a:schemeClr val="accent6">
+                    <a:lumMod val="75000"/>
+                  </a:schemeClr>
+                </a:solidFill>
+                <a:latin typeface="Consolas"/>
+                <a:cs typeface="Consolas"/>
+              </a:rPr>
+              <a:t>try</a:t>
+            </a:r>
+            <a:r>
+              <a:rPr lang="en-US" sz="1200" dirty="0">
+                <a:latin typeface="Consolas"/>
+                <a:cs typeface="Consolas"/>
+              </a:rPr>
+              <a:t> {</a:t>
             </a:r>
           </a:p>
           <a:p>
@@ -26631,7 +26654,31 @@
                 <a:latin typeface="Calibri"/>
                 <a:cs typeface="Calibri"/>
               </a:rPr>
-              <a:t>All these operations can fail! Errors have to be checked.</a:t>
+              <a:t>All these operations can fail! </a:t>
+            </a:r>
+          </a:p>
+          <a:p>
+            <a:pPr marL="12700" indent="0">
+              <a:lnSpc>
+                <a:spcPct val="100000"/>
+              </a:lnSpc>
+              <a:spcBef>
+                <a:spcPts val="330"/>
+              </a:spcBef>
+              <a:buNone/>
+              <a:tabLst>
+                <a:tab pos="297180" algn="l"/>
+              </a:tabLst>
+            </a:pPr>
+            <a:r>
+              <a:rPr lang="en-US" sz="2800" dirty="0">
+                <a:solidFill>
+                  <a:srgbClr val="E46C0A"/>
+                </a:solidFill>
+                <a:latin typeface="Calibri"/>
+                <a:cs typeface="Calibri"/>
+              </a:rPr>
+              <a:t>Errors must be checked.</a:t>
             </a:r>
           </a:p>
           <a:p>

--- a/slides/ppt/06_Exceptions.pptx
+++ b/slides/ppt/06_Exceptions.pptx
@@ -21836,6 +21836,29 @@
             </a:r>
           </a:p>
           <a:p>
+            <a:r>
+              <a:rPr lang="en-US" sz="2400" dirty="0">
+                <a:latin typeface="Calibri" panose="020F0502020204030204" pitchFamily="34" charset="0"/>
+                <a:cs typeface="Calibri" panose="020F0502020204030204" pitchFamily="34" charset="0"/>
+              </a:rPr>
+              <a:t>To make subclasses completely compatible with </a:t>
+            </a:r>
+            <a:r>
+              <a:rPr lang="en-US" sz="2400" dirty="0" err="1">
+                <a:latin typeface="Calibri" panose="020F0502020204030204" pitchFamily="34" charset="0"/>
+                <a:cs typeface="Calibri" panose="020F0502020204030204" pitchFamily="34" charset="0"/>
+              </a:rPr>
+              <a:t>java.lang.Exception</a:t>
+            </a:r>
+            <a:r>
+              <a:rPr lang="en-US" sz="2400" dirty="0">
+                <a:latin typeface="Calibri" panose="020F0502020204030204" pitchFamily="34" charset="0"/>
+                <a:cs typeface="Calibri" panose="020F0502020204030204" pitchFamily="34" charset="0"/>
+              </a:rPr>
+              <a:t>, the Exception constructors must be explicitly written. Otherwise, only the default constructor will be available in subclasses.</a:t>
+            </a:r>
+          </a:p>
+          <a:p>
             <a:endParaRPr lang="en-US" sz="2400" dirty="0">
               <a:solidFill>
                 <a:srgbClr val="E46C0A"/>
